--- a/slide/CWBData.pptx
+++ b/slide/CWBData.pptx
@@ -7,8 +7,10 @@
   <p:sldIdLst>
     <p:sldId id="256" r:id="rId2"/>
     <p:sldId id="258" r:id="rId3"/>
-    <p:sldId id="259" r:id="rId4"/>
-    <p:sldId id="257" r:id="rId5"/>
+    <p:sldId id="260" r:id="rId4"/>
+    <p:sldId id="261" r:id="rId5"/>
+    <p:sldId id="259" r:id="rId6"/>
+    <p:sldId id="257" r:id="rId7"/>
   </p:sldIdLst>
   <p:sldSz cx="12192000" cy="6858000"/>
   <p:notesSz cx="6858000" cy="9144000"/>
@@ -107,6 +109,11 @@
       </a:defRPr>
     </a:lvl9pPr>
   </p:defaultTextStyle>
+  <p:extLst>
+    <p:ext uri="{EFAFB233-063F-42B5-8137-9DF3F51BA10A}">
+      <p15:sldGuideLst xmlns:p15="http://schemas.microsoft.com/office/powerpoint/2012/main"/>
+    </p:ext>
+  </p:extLst>
 </p:presentation>
 </file>
 
@@ -241,7 +248,7 @@
           <a:p>
             <a:fld id="{A606522D-6154-48DC-8552-589AB6034E6C}" type="datetimeFigureOut">
               <a:rPr lang="zh-TW" altLang="en-US" smtClean="0"/>
-              <a:t>2017/3/1</a:t>
+              <a:t>2017/3/9</a:t>
             </a:fld>
             <a:endParaRPr lang="zh-TW" altLang="en-US"/>
           </a:p>
@@ -411,7 +418,7 @@
           <a:p>
             <a:fld id="{A606522D-6154-48DC-8552-589AB6034E6C}" type="datetimeFigureOut">
               <a:rPr lang="zh-TW" altLang="en-US" smtClean="0"/>
-              <a:t>2017/3/1</a:t>
+              <a:t>2017/3/9</a:t>
             </a:fld>
             <a:endParaRPr lang="zh-TW" altLang="en-US"/>
           </a:p>
@@ -591,7 +598,7 @@
           <a:p>
             <a:fld id="{A606522D-6154-48DC-8552-589AB6034E6C}" type="datetimeFigureOut">
               <a:rPr lang="zh-TW" altLang="en-US" smtClean="0"/>
-              <a:t>2017/3/1</a:t>
+              <a:t>2017/3/9</a:t>
             </a:fld>
             <a:endParaRPr lang="zh-TW" altLang="en-US"/>
           </a:p>
@@ -761,7 +768,7 @@
           <a:p>
             <a:fld id="{A606522D-6154-48DC-8552-589AB6034E6C}" type="datetimeFigureOut">
               <a:rPr lang="zh-TW" altLang="en-US" smtClean="0"/>
-              <a:t>2017/3/1</a:t>
+              <a:t>2017/3/9</a:t>
             </a:fld>
             <a:endParaRPr lang="zh-TW" altLang="en-US"/>
           </a:p>
@@ -1007,7 +1014,7 @@
           <a:p>
             <a:fld id="{A606522D-6154-48DC-8552-589AB6034E6C}" type="datetimeFigureOut">
               <a:rPr lang="zh-TW" altLang="en-US" smtClean="0"/>
-              <a:t>2017/3/1</a:t>
+              <a:t>2017/3/9</a:t>
             </a:fld>
             <a:endParaRPr lang="zh-TW" altLang="en-US"/>
           </a:p>
@@ -1239,7 +1246,7 @@
           <a:p>
             <a:fld id="{A606522D-6154-48DC-8552-589AB6034E6C}" type="datetimeFigureOut">
               <a:rPr lang="zh-TW" altLang="en-US" smtClean="0"/>
-              <a:t>2017/3/1</a:t>
+              <a:t>2017/3/9</a:t>
             </a:fld>
             <a:endParaRPr lang="zh-TW" altLang="en-US"/>
           </a:p>
@@ -1606,7 +1613,7 @@
           <a:p>
             <a:fld id="{A606522D-6154-48DC-8552-589AB6034E6C}" type="datetimeFigureOut">
               <a:rPr lang="zh-TW" altLang="en-US" smtClean="0"/>
-              <a:t>2017/3/1</a:t>
+              <a:t>2017/3/9</a:t>
             </a:fld>
             <a:endParaRPr lang="zh-TW" altLang="en-US"/>
           </a:p>
@@ -1724,7 +1731,7 @@
           <a:p>
             <a:fld id="{A606522D-6154-48DC-8552-589AB6034E6C}" type="datetimeFigureOut">
               <a:rPr lang="zh-TW" altLang="en-US" smtClean="0"/>
-              <a:t>2017/3/1</a:t>
+              <a:t>2017/3/9</a:t>
             </a:fld>
             <a:endParaRPr lang="zh-TW" altLang="en-US"/>
           </a:p>
@@ -1819,7 +1826,7 @@
           <a:p>
             <a:fld id="{A606522D-6154-48DC-8552-589AB6034E6C}" type="datetimeFigureOut">
               <a:rPr lang="zh-TW" altLang="en-US" smtClean="0"/>
-              <a:t>2017/3/1</a:t>
+              <a:t>2017/3/9</a:t>
             </a:fld>
             <a:endParaRPr lang="zh-TW" altLang="en-US"/>
           </a:p>
@@ -2096,7 +2103,7 @@
           <a:p>
             <a:fld id="{A606522D-6154-48DC-8552-589AB6034E6C}" type="datetimeFigureOut">
               <a:rPr lang="zh-TW" altLang="en-US" smtClean="0"/>
-              <a:t>2017/3/1</a:t>
+              <a:t>2017/3/9</a:t>
             </a:fld>
             <a:endParaRPr lang="zh-TW" altLang="en-US"/>
           </a:p>
@@ -2349,7 +2356,7 @@
           <a:p>
             <a:fld id="{A606522D-6154-48DC-8552-589AB6034E6C}" type="datetimeFigureOut">
               <a:rPr lang="zh-TW" altLang="en-US" smtClean="0"/>
-              <a:t>2017/3/1</a:t>
+              <a:t>2017/3/9</a:t>
             </a:fld>
             <a:endParaRPr lang="zh-TW" altLang="en-US"/>
           </a:p>
@@ -2562,7 +2569,7 @@
           <a:p>
             <a:fld id="{A606522D-6154-48DC-8552-589AB6034E6C}" type="datetimeFigureOut">
               <a:rPr lang="zh-TW" altLang="en-US" smtClean="0"/>
-              <a:t>2017/3/1</a:t>
+              <a:t>2017/3/9</a:t>
             </a:fld>
             <a:endParaRPr lang="zh-TW" altLang="en-US"/>
           </a:p>
@@ -3007,9 +3014,12 @@
           <a:p>
             <a:r>
               <a:rPr lang="en-US" altLang="zh-TW" dirty="0" smtClean="0"/>
-              <a:t>Mark Hsu</a:t>
-            </a:r>
-            <a:endParaRPr lang="zh-TW" altLang="en-US" dirty="0"/>
+              <a:t>Mark </a:t>
+            </a:r>
+            <a:r>
+              <a:rPr lang="en-US" altLang="zh-TW" dirty="0" smtClean="0"/>
+              <a:t>Hsu</a:t>
+            </a:r>
           </a:p>
         </p:txBody>
       </p:sp>
@@ -3065,6 +3075,10 @@
           <a:bodyPr/>
           <a:lstStyle/>
           <a:p>
+            <a:r>
+              <a:rPr lang="zh-TW" altLang="en-US" dirty="0" smtClean="0"/>
+              <a:t>資料來源</a:t>
+            </a:r>
             <a:endParaRPr lang="zh-TW" altLang="en-US" dirty="0"/>
           </a:p>
         </p:txBody>
@@ -3108,90 +3122,11 @@
             </a:pPr>
             <a:endParaRPr lang="en-US" altLang="zh-TW" sz="2000" dirty="0" smtClean="0"/>
           </a:p>
-          <a:p>
-            <a:r>
-              <a:rPr lang="zh-TW" altLang="en-US" sz="2000" dirty="0" smtClean="0"/>
-              <a:t>取得資料內容，透過此網址</a:t>
-            </a:r>
-            <a:r>
-              <a:rPr lang="zh-TW" altLang="en-US" sz="2000" dirty="0"/>
-              <a:t>：</a:t>
-            </a:r>
-            <a:r>
-              <a:rPr lang="en-US" altLang="zh-TW" sz="2000" dirty="0" smtClean="0"/>
-              <a:t>http://e-service.cwb.gov.tw/HistoryDataQuery/DayDataController.do?command=viewMain</a:t>
-            </a:r>
-            <a:r>
-              <a:rPr lang="en-US" altLang="zh-TW" sz="2000" b="1" dirty="0" smtClean="0"/>
-              <a:t>&amp;station=</a:t>
-            </a:r>
-            <a:r>
-              <a:rPr lang="en-US" altLang="zh-TW" sz="2000" b="1" dirty="0" smtClean="0">
-                <a:solidFill>
-                  <a:srgbClr val="FF0000"/>
-                </a:solidFill>
-              </a:rPr>
-              <a:t>C0F0B0</a:t>
-            </a:r>
-            <a:r>
-              <a:rPr lang="en-US" altLang="zh-TW" sz="2000" b="1" dirty="0" smtClean="0"/>
-              <a:t>&amp;stname=</a:t>
-            </a:r>
-            <a:r>
-              <a:rPr lang="en-US" altLang="zh-TW" sz="2000" b="1" dirty="0" smtClean="0">
-                <a:solidFill>
-                  <a:srgbClr val="FF0000"/>
-                </a:solidFill>
-              </a:rPr>
-              <a:t>%25E7%259F%25B3%25E5%25B2%25A1</a:t>
-            </a:r>
-            <a:r>
-              <a:rPr lang="en-US" altLang="zh-TW" sz="2000" b="1" dirty="0" smtClean="0"/>
-              <a:t>&amp;datepicker=</a:t>
-            </a:r>
-            <a:r>
-              <a:rPr lang="en-US" altLang="zh-TW" sz="2000" b="1" dirty="0" smtClean="0">
-                <a:solidFill>
-                  <a:srgbClr val="FF0000"/>
-                </a:solidFill>
-              </a:rPr>
-              <a:t>2017-01-01</a:t>
-            </a:r>
-          </a:p>
-          <a:p>
-            <a:r>
-              <a:rPr lang="zh-TW" altLang="en-US" sz="2000" dirty="0" smtClean="0"/>
-              <a:t>取得測站詳細資訊，透過此網址：</a:t>
-            </a:r>
-            <a:r>
-              <a:rPr lang="en-US" altLang="zh-TW" sz="2000" dirty="0" smtClean="0"/>
-              <a:t>http://e-service.cwb.gov.tw/HistoryDataQuery/QueryDataController.do?command=doQueryStation</a:t>
-            </a:r>
-            <a:r>
-              <a:rPr lang="en-US" altLang="zh-TW" sz="2000" b="1" dirty="0" smtClean="0"/>
-              <a:t>&amp;station_no=</a:t>
-            </a:r>
-            <a:r>
-              <a:rPr lang="en-US" altLang="zh-TW" sz="2000" b="1" dirty="0" smtClean="0">
-                <a:solidFill>
-                  <a:srgbClr val="FF0000"/>
-                </a:solidFill>
-              </a:rPr>
-              <a:t>A1AC50</a:t>
-            </a:r>
-          </a:p>
-          <a:p>
-            <a:r>
-              <a:rPr lang="zh-TW" altLang="en-US" sz="2000" dirty="0" smtClean="0"/>
-              <a:t> </a:t>
-            </a:r>
-            <a:endParaRPr lang="en-US" altLang="zh-TW" sz="2000" dirty="0" smtClean="0"/>
-          </a:p>
         </p:txBody>
       </p:sp>
       <p:pic>
         <p:nvPicPr>
-          <p:cNvPr id="4" name="圖片 3"/>
+          <p:cNvPr id="6" name="圖片 5"/>
           <p:cNvPicPr>
             <a:picLocks noChangeAspect="1"/>
           </p:cNvPicPr>
@@ -3205,32 +3140,8 @@
         </p:blipFill>
         <p:spPr>
           <a:xfrm>
-            <a:off x="4304909" y="4235244"/>
-            <a:ext cx="7632395" cy="2347522"/>
-          </a:xfrm>
-          <a:prstGeom prst="rect">
-            <a:avLst/>
-          </a:prstGeom>
-        </p:spPr>
-      </p:pic>
-      <p:pic>
-        <p:nvPicPr>
-          <p:cNvPr id="5" name="圖片 4"/>
-          <p:cNvPicPr>
-            <a:picLocks noChangeAspect="1"/>
-          </p:cNvPicPr>
-          <p:nvPr/>
-        </p:nvPicPr>
-        <p:blipFill>
-          <a:blip r:embed="rId5"/>
-          <a:stretch>
-            <a:fillRect/>
-          </a:stretch>
-        </p:blipFill>
-        <p:spPr>
-          <a:xfrm>
-            <a:off x="368278" y="5637495"/>
-            <a:ext cx="11229975" cy="342900"/>
+            <a:off x="2691202" y="2293187"/>
+            <a:ext cx="6809596" cy="4152847"/>
           </a:xfrm>
           <a:prstGeom prst="rect">
             <a:avLst/>
@@ -3258,6 +3169,271 @@
 </file>
 
 <file path=ppt/slides/slide3.xml><?xml version="1.0" encoding="utf-8"?>
+<p:sld xmlns:a="http://schemas.openxmlformats.org/drawingml/2006/main" xmlns:r="http://schemas.openxmlformats.org/officeDocument/2006/relationships" xmlns:p="http://schemas.openxmlformats.org/presentationml/2006/main">
+  <p:cSld>
+    <p:spTree>
+      <p:nvGrpSpPr>
+        <p:cNvPr id="1" name=""/>
+        <p:cNvGrpSpPr/>
+        <p:nvPr/>
+      </p:nvGrpSpPr>
+      <p:grpSpPr>
+        <a:xfrm>
+          <a:off x="0" y="0"/>
+          <a:ext cx="0" cy="0"/>
+          <a:chOff x="0" y="0"/>
+          <a:chExt cx="0" cy="0"/>
+        </a:xfrm>
+      </p:grpSpPr>
+      <p:sp>
+        <p:nvSpPr>
+          <p:cNvPr id="2" name="標題 1"/>
+          <p:cNvSpPr>
+            <a:spLocks noGrp="1"/>
+          </p:cNvSpPr>
+          <p:nvPr>
+            <p:ph type="title"/>
+          </p:nvPr>
+        </p:nvSpPr>
+        <p:spPr/>
+        <p:txBody>
+          <a:bodyPr/>
+          <a:lstStyle/>
+          <a:p>
+            <a:r>
+              <a:rPr lang="zh-TW" altLang="en-US" dirty="0" smtClean="0"/>
+              <a:t>取得方法</a:t>
+            </a:r>
+            <a:endParaRPr lang="zh-TW" altLang="en-US" dirty="0"/>
+          </a:p>
+        </p:txBody>
+      </p:sp>
+      <p:sp>
+        <p:nvSpPr>
+          <p:cNvPr id="3" name="內容版面配置區 2"/>
+          <p:cNvSpPr>
+            <a:spLocks noGrp="1"/>
+          </p:cNvSpPr>
+          <p:nvPr>
+            <p:ph idx="1"/>
+          </p:nvPr>
+        </p:nvSpPr>
+        <p:spPr/>
+        <p:txBody>
+          <a:bodyPr/>
+          <a:lstStyle/>
+          <a:p>
+            <a:r>
+              <a:rPr lang="zh-TW" altLang="en-US" dirty="0"/>
+              <a:t>取得資料內容，透過此網址：</a:t>
+            </a:r>
+            <a:r>
+              <a:rPr lang="en-US" altLang="zh-TW" dirty="0"/>
+              <a:t>http://e-service.cwb.gov.tw/HistoryDataQuery/DayDataController.do?command=viewMain</a:t>
+            </a:r>
+            <a:r>
+              <a:rPr lang="en-US" altLang="zh-TW" b="1" dirty="0"/>
+              <a:t>&amp;station=</a:t>
+            </a:r>
+            <a:r>
+              <a:rPr lang="en-US" altLang="zh-TW" b="1" dirty="0">
+                <a:solidFill>
+                  <a:srgbClr val="FF0000"/>
+                </a:solidFill>
+              </a:rPr>
+              <a:t>C0F0B0</a:t>
+            </a:r>
+            <a:r>
+              <a:rPr lang="en-US" altLang="zh-TW" b="1" dirty="0"/>
+              <a:t>&amp;stname=</a:t>
+            </a:r>
+            <a:r>
+              <a:rPr lang="en-US" altLang="zh-TW" b="1" dirty="0">
+                <a:solidFill>
+                  <a:srgbClr val="FF0000"/>
+                </a:solidFill>
+              </a:rPr>
+              <a:t>%25E7%259F%25B3%25E5%25B2%25A1</a:t>
+            </a:r>
+            <a:r>
+              <a:rPr lang="en-US" altLang="zh-TW" b="1" dirty="0"/>
+              <a:t>&amp;datepicker=</a:t>
+            </a:r>
+            <a:r>
+              <a:rPr lang="en-US" altLang="zh-TW" b="1" dirty="0">
+                <a:solidFill>
+                  <a:srgbClr val="FF0000"/>
+                </a:solidFill>
+              </a:rPr>
+              <a:t>2017-01-01</a:t>
+            </a:r>
+          </a:p>
+          <a:p>
+            <a:endParaRPr lang="en-US" altLang="zh-TW" dirty="0"/>
+          </a:p>
+        </p:txBody>
+      </p:sp>
+      <p:pic>
+        <p:nvPicPr>
+          <p:cNvPr id="4" name="圖片 3"/>
+          <p:cNvPicPr>
+            <a:picLocks noChangeAspect="1"/>
+          </p:cNvPicPr>
+          <p:nvPr/>
+        </p:nvPicPr>
+        <p:blipFill>
+          <a:blip r:embed="rId2"/>
+          <a:stretch>
+            <a:fillRect/>
+          </a:stretch>
+        </p:blipFill>
+        <p:spPr>
+          <a:xfrm>
+            <a:off x="1685556" y="3598829"/>
+            <a:ext cx="8820888" cy="2713071"/>
+          </a:xfrm>
+          <a:prstGeom prst="rect">
+            <a:avLst/>
+          </a:prstGeom>
+        </p:spPr>
+      </p:pic>
+    </p:spTree>
+    <p:extLst>
+      <p:ext uri="{BB962C8B-B14F-4D97-AF65-F5344CB8AC3E}">
+        <p14:creationId xmlns:p14="http://schemas.microsoft.com/office/powerpoint/2010/main" val="3112393364"/>
+      </p:ext>
+    </p:extLst>
+  </p:cSld>
+  <p:clrMapOvr>
+    <a:masterClrMapping/>
+  </p:clrMapOvr>
+</p:sld>
+</file>
+
+<file path=ppt/slides/slide4.xml><?xml version="1.0" encoding="utf-8"?>
+<p:sld xmlns:a="http://schemas.openxmlformats.org/drawingml/2006/main" xmlns:r="http://schemas.openxmlformats.org/officeDocument/2006/relationships" xmlns:p="http://schemas.openxmlformats.org/presentationml/2006/main">
+  <p:cSld>
+    <p:spTree>
+      <p:nvGrpSpPr>
+        <p:cNvPr id="1" name=""/>
+        <p:cNvGrpSpPr/>
+        <p:nvPr/>
+      </p:nvGrpSpPr>
+      <p:grpSpPr>
+        <a:xfrm>
+          <a:off x="0" y="0"/>
+          <a:ext cx="0" cy="0"/>
+          <a:chOff x="0" y="0"/>
+          <a:chExt cx="0" cy="0"/>
+        </a:xfrm>
+      </p:grpSpPr>
+      <p:sp>
+        <p:nvSpPr>
+          <p:cNvPr id="2" name="標題 1"/>
+          <p:cNvSpPr>
+            <a:spLocks noGrp="1"/>
+          </p:cNvSpPr>
+          <p:nvPr>
+            <p:ph type="title"/>
+          </p:nvPr>
+        </p:nvSpPr>
+        <p:spPr/>
+        <p:txBody>
+          <a:bodyPr/>
+          <a:lstStyle/>
+          <a:p>
+            <a:r>
+              <a:rPr lang="zh-TW" altLang="en-US" dirty="0" smtClean="0"/>
+              <a:t>測站資訊</a:t>
+            </a:r>
+            <a:endParaRPr lang="zh-TW" altLang="en-US" dirty="0"/>
+          </a:p>
+        </p:txBody>
+      </p:sp>
+      <p:sp>
+        <p:nvSpPr>
+          <p:cNvPr id="3" name="內容版面配置區 2"/>
+          <p:cNvSpPr>
+            <a:spLocks noGrp="1"/>
+          </p:cNvSpPr>
+          <p:nvPr>
+            <p:ph idx="1"/>
+          </p:nvPr>
+        </p:nvSpPr>
+        <p:spPr/>
+        <p:txBody>
+          <a:bodyPr/>
+          <a:lstStyle/>
+          <a:p>
+            <a:r>
+              <a:rPr lang="zh-TW" altLang="en-US" dirty="0"/>
+              <a:t>取得測站詳細資訊，透過此網址：</a:t>
+            </a:r>
+            <a:r>
+              <a:rPr lang="en-US" altLang="zh-TW" dirty="0"/>
+              <a:t>http://e-service.cwb.gov.tw/HistoryDataQuery/QueryDataController.do?command=doQueryStation</a:t>
+            </a:r>
+            <a:r>
+              <a:rPr lang="en-US" altLang="zh-TW" b="1" dirty="0"/>
+              <a:t>&amp;station_no=</a:t>
+            </a:r>
+            <a:r>
+              <a:rPr lang="en-US" altLang="zh-TW" b="1" dirty="0">
+                <a:solidFill>
+                  <a:srgbClr val="FF0000"/>
+                </a:solidFill>
+              </a:rPr>
+              <a:t>A1AC50</a:t>
+            </a:r>
+          </a:p>
+          <a:p>
+            <a:endParaRPr lang="zh-TW" altLang="en-US" dirty="0"/>
+          </a:p>
+        </p:txBody>
+      </p:sp>
+      <p:pic>
+        <p:nvPicPr>
+          <p:cNvPr id="4" name="圖片 3"/>
+          <p:cNvPicPr>
+            <a:picLocks noChangeAspect="1"/>
+          </p:cNvPicPr>
+          <p:nvPr/>
+        </p:nvPicPr>
+        <p:blipFill>
+          <a:blip r:embed="rId2"/>
+          <a:stretch>
+            <a:fillRect/>
+          </a:stretch>
+        </p:blipFill>
+        <p:spPr>
+          <a:xfrm>
+            <a:off x="481012" y="4001294"/>
+            <a:ext cx="11229975" cy="342900"/>
+          </a:xfrm>
+          <a:prstGeom prst="rect">
+            <a:avLst/>
+          </a:prstGeom>
+          <a:ln>
+            <a:solidFill>
+              <a:schemeClr val="tx1"/>
+            </a:solidFill>
+          </a:ln>
+        </p:spPr>
+      </p:pic>
+    </p:spTree>
+    <p:extLst>
+      <p:ext uri="{BB962C8B-B14F-4D97-AF65-F5344CB8AC3E}">
+        <p14:creationId xmlns:p14="http://schemas.microsoft.com/office/powerpoint/2010/main" val="227366775"/>
+      </p:ext>
+    </p:extLst>
+  </p:cSld>
+  <p:clrMapOvr>
+    <a:masterClrMapping/>
+  </p:clrMapOvr>
+</p:sld>
+</file>
+
+<file path=ppt/slides/slide5.xml><?xml version="1.0" encoding="utf-8"?>
 <p:sld xmlns:a="http://schemas.openxmlformats.org/drawingml/2006/main" xmlns:r="http://schemas.openxmlformats.org/officeDocument/2006/relationships" xmlns:p="http://schemas.openxmlformats.org/presentationml/2006/main">
   <p:cSld>
     <p:spTree>
@@ -3383,7 +3559,7 @@
 </p:sld>
 </file>
 
-<file path=ppt/slides/slide4.xml><?xml version="1.0" encoding="utf-8"?>
+<file path=ppt/slides/slide6.xml><?xml version="1.0" encoding="utf-8"?>
 <p:sld xmlns:a="http://schemas.openxmlformats.org/drawingml/2006/main" xmlns:r="http://schemas.openxmlformats.org/officeDocument/2006/relationships" xmlns:p="http://schemas.openxmlformats.org/presentationml/2006/main">
   <p:cSld>
     <p:spTree>
